--- a/Indiana Bones eind prez.pptx
+++ b/Indiana Bones eind prez.pptx
@@ -7,6 +7,8 @@
   <p:sldIdLst>
     <p:sldId id="256" r:id="rId2"/>
     <p:sldId id="257" r:id="rId3"/>
+    <p:sldId id="258" r:id="rId4"/>
+    <p:sldId id="259" r:id="rId5"/>
   </p:sldIdLst>
   <p:sldSz cx="12192000" cy="6858000"/>
   <p:notesSz cx="6858000" cy="9144000"/>
@@ -105,6 +107,11 @@
       </a:defRPr>
     </a:lvl9pPr>
   </p:defaultTextStyle>
+  <p:extLst>
+    <p:ext uri="{EFAFB233-063F-42B5-8137-9DF3F51BA10A}">
+      <p15:sldGuideLst xmlns:p15="http://schemas.microsoft.com/office/powerpoint/2012/main"/>
+    </p:ext>
+  </p:extLst>
 </p:presentation>
 </file>
 
@@ -5803,31 +5810,51 @@
           </a:p>
         </p:txBody>
       </p:sp>
-      <p:sp>
-        <p:nvSpPr>
-          <p:cNvPr id="3" name="Tijdelijke aanduiding voor inhoud 2">
+      <p:pic>
+        <p:nvPicPr>
+          <p:cNvPr id="6" name="Tijdelijke aanduiding voor inhoud 5">
             <a:extLst>
               <a:ext uri="{FF2B5EF4-FFF2-40B4-BE49-F238E27FC236}">
-                <a16:creationId xmlns:a16="http://schemas.microsoft.com/office/drawing/2014/main" id="{A4C81014-40C5-43AA-8CCA-DDB6C0E2EB45}"/>
+                <a16:creationId xmlns:a16="http://schemas.microsoft.com/office/drawing/2014/main" id="{E1E6DA84-3D52-4444-9024-3BDB2A5E8F32}"/>
               </a:ext>
             </a:extLst>
           </p:cNvPr>
-          <p:cNvSpPr>
-            <a:spLocks noGrp="1"/>
-          </p:cNvSpPr>
+          <p:cNvPicPr>
+            <a:picLocks noGrp="1" noChangeAspect="1"/>
+          </p:cNvPicPr>
           <p:nvPr>
             <p:ph idx="1"/>
           </p:nvPr>
-        </p:nvSpPr>
-        <p:spPr/>
-        <p:txBody>
-          <a:bodyPr/>
-          <a:lstStyle/>
-          <a:p>
-            <a:endParaRPr lang="nl-NL" dirty="0"/>
-          </a:p>
-        </p:txBody>
-      </p:sp>
+        </p:nvPicPr>
+        <p:blipFill>
+          <a:blip r:embed="rId2"/>
+          <a:stretch>
+            <a:fillRect/>
+          </a:stretch>
+        </p:blipFill>
+        <p:spPr>
+          <a:xfrm>
+            <a:off x="5829299" y="1825506"/>
+            <a:ext cx="5218113" cy="2749787"/>
+          </a:xfrm>
+          <a:prstGeom prst="roundRect">
+            <a:avLst>
+              <a:gd name="adj" fmla="val 8594"/>
+            </a:avLst>
+          </a:prstGeom>
+          <a:solidFill>
+            <a:srgbClr val="FFFFFF">
+              <a:shade val="85000"/>
+            </a:srgbClr>
+          </a:solidFill>
+          <a:ln>
+            <a:noFill/>
+          </a:ln>
+          <a:effectLst>
+            <a:reflection blurRad="12700" stA="38000" endPos="28000" dist="5000" dir="5400000" sy="-100000" algn="bl" rotWithShape="0"/>
+          </a:effectLst>
+        </p:spPr>
+      </p:pic>
       <p:sp>
         <p:nvSpPr>
           <p:cNvPr id="4" name="Tijdelijke aanduiding voor tekst 3">
@@ -5861,12 +5888,8 @@
               <a:buChar char="-"/>
             </a:pPr>
             <a:r>
-              <a:rPr lang="nl-NL" dirty="0" err="1"/>
-              <a:t>Inhoud’s</a:t>
-            </a:r>
-            <a:r>
               <a:rPr lang="nl-NL" dirty="0"/>
-              <a:t> opgave</a:t>
+              <a:t>Inhoud ’s opgave</a:t>
             </a:r>
           </a:p>
           <a:p>
@@ -5876,8 +5899,13 @@
             </a:pPr>
             <a:r>
               <a:rPr lang="nl-NL" dirty="0"/>
-              <a:t>Deadline</a:t>
-            </a:r>
+              <a:t>Visual </a:t>
+            </a:r>
+            <a:r>
+              <a:rPr lang="nl-NL" dirty="0" err="1"/>
+              <a:t>fidelity</a:t>
+            </a:r>
+            <a:endParaRPr lang="nl-NL" dirty="0"/>
           </a:p>
           <a:p>
             <a:pPr marL="285750" indent="-285750">
@@ -5886,7 +5914,7 @@
             </a:pPr>
             <a:r>
               <a:rPr lang="nl-NL" dirty="0" err="1"/>
-              <a:t>Uurenregenstatie</a:t>
+              <a:t>Sfeef</a:t>
             </a:r>
             <a:endParaRPr lang="nl-NL" dirty="0"/>
           </a:p>
@@ -5897,61 +5925,9 @@
             </a:pPr>
             <a:r>
               <a:rPr lang="nl-NL" dirty="0" err="1"/>
-              <a:t>Plennig</a:t>
+              <a:t>functionaliteid</a:t>
             </a:r>
             <a:endParaRPr lang="nl-NL" dirty="0"/>
-          </a:p>
-          <a:p>
-            <a:pPr marL="285750" indent="-285750">
-              <a:buFontTx/>
-              <a:buChar char="-"/>
-            </a:pPr>
-            <a:r>
-              <a:rPr lang="nl-NL" dirty="0" err="1"/>
-              <a:t>Organizatie</a:t>
-            </a:r>
-            <a:endParaRPr lang="nl-NL" dirty="0"/>
-          </a:p>
-          <a:p>
-            <a:pPr marL="285750" indent="-285750">
-              <a:buFontTx/>
-              <a:buChar char="-"/>
-            </a:pPr>
-            <a:r>
-              <a:rPr lang="nl-NL" dirty="0"/>
-              <a:t>Concept</a:t>
-            </a:r>
-          </a:p>
-          <a:p>
-            <a:pPr marL="285750" indent="-285750">
-              <a:buFontTx/>
-              <a:buChar char="-"/>
-            </a:pPr>
-            <a:r>
-              <a:rPr lang="nl-NL" dirty="0" err="1"/>
-              <a:t>Stylguide</a:t>
-            </a:r>
-            <a:endParaRPr lang="nl-NL" dirty="0"/>
-          </a:p>
-          <a:p>
-            <a:pPr marL="285750" indent="-285750">
-              <a:buFontTx/>
-              <a:buChar char="-"/>
-            </a:pPr>
-            <a:r>
-              <a:rPr lang="nl-NL" dirty="0"/>
-              <a:t>Functioneel ontwerp</a:t>
-            </a:r>
-          </a:p>
-          <a:p>
-            <a:pPr marL="285750" indent="-285750">
-              <a:buFontTx/>
-              <a:buChar char="-"/>
-            </a:pPr>
-            <a:r>
-              <a:rPr lang="nl-NL" dirty="0"/>
-              <a:t>Technisch ontwerp</a:t>
-            </a:r>
           </a:p>
           <a:p>
             <a:pPr marL="285750" indent="-285750">
@@ -5966,6 +5942,266 @@
     <p:extLst>
       <p:ext uri="{BB962C8B-B14F-4D97-AF65-F5344CB8AC3E}">
         <p14:creationId xmlns:p14="http://schemas.microsoft.com/office/powerpoint/2010/main" val="3543698666"/>
+      </p:ext>
+    </p:extLst>
+  </p:cSld>
+  <p:clrMapOvr>
+    <a:masterClrMapping/>
+  </p:clrMapOvr>
+</p:sld>
+</file>
+
+<file path=ppt/slides/slide3.xml><?xml version="1.0" encoding="utf-8"?>
+<p:sld xmlns:a="http://schemas.openxmlformats.org/drawingml/2006/main" xmlns:r="http://schemas.openxmlformats.org/officeDocument/2006/relationships" xmlns:p="http://schemas.openxmlformats.org/presentationml/2006/main">
+  <p:cSld>
+    <p:spTree>
+      <p:nvGrpSpPr>
+        <p:cNvPr id="1" name=""/>
+        <p:cNvGrpSpPr/>
+        <p:nvPr/>
+      </p:nvGrpSpPr>
+      <p:grpSpPr>
+        <a:xfrm>
+          <a:off x="0" y="0"/>
+          <a:ext cx="0" cy="0"/>
+          <a:chOff x="0" y="0"/>
+          <a:chExt cx="0" cy="0"/>
+        </a:xfrm>
+      </p:grpSpPr>
+      <p:sp>
+        <p:nvSpPr>
+          <p:cNvPr id="2" name="Titel 1">
+            <a:extLst>
+              <a:ext uri="{FF2B5EF4-FFF2-40B4-BE49-F238E27FC236}">
+                <a16:creationId xmlns:a16="http://schemas.microsoft.com/office/drawing/2014/main" id="{D2F3B138-2D80-45DB-95CF-A2C631E6788E}"/>
+              </a:ext>
+            </a:extLst>
+          </p:cNvPr>
+          <p:cNvSpPr>
+            <a:spLocks noGrp="1"/>
+          </p:cNvSpPr>
+          <p:nvPr>
+            <p:ph type="title"/>
+          </p:nvPr>
+        </p:nvSpPr>
+        <p:spPr/>
+        <p:txBody>
+          <a:bodyPr/>
+          <a:lstStyle/>
+          <a:p>
+            <a:r>
+              <a:rPr lang="nl-NL" dirty="0"/>
+              <a:t>Visual </a:t>
+            </a:r>
+            <a:r>
+              <a:rPr lang="nl-NL" dirty="0" err="1"/>
+              <a:t>fidelity</a:t>
+            </a:r>
+            <a:endParaRPr lang="nl-NL" dirty="0"/>
+          </a:p>
+        </p:txBody>
+      </p:sp>
+      <p:pic>
+        <p:nvPicPr>
+          <p:cNvPr id="18" name="Tijdelijke aanduiding voor inhoud 17">
+            <a:extLst>
+              <a:ext uri="{FF2B5EF4-FFF2-40B4-BE49-F238E27FC236}">
+                <a16:creationId xmlns:a16="http://schemas.microsoft.com/office/drawing/2014/main" id="{AC9B63D1-8A36-4EF1-B89E-444BD8987D39}"/>
+              </a:ext>
+            </a:extLst>
+          </p:cNvPr>
+          <p:cNvPicPr>
+            <a:picLocks noGrp="1" noChangeAspect="1"/>
+          </p:cNvPicPr>
+          <p:nvPr>
+            <p:ph sz="half" idx="1"/>
+          </p:nvPr>
+        </p:nvPicPr>
+        <p:blipFill>
+          <a:blip r:embed="rId2"/>
+          <a:stretch>
+            <a:fillRect/>
+          </a:stretch>
+        </p:blipFill>
+        <p:spPr>
+          <a:xfrm>
+            <a:off x="1979675" y="1893609"/>
+            <a:ext cx="3992500" cy="3897591"/>
+          </a:xfrm>
+          <a:prstGeom prst="roundRect">
+            <a:avLst>
+              <a:gd name="adj" fmla="val 8594"/>
+            </a:avLst>
+          </a:prstGeom>
+          <a:solidFill>
+            <a:srgbClr val="FFFFFF">
+              <a:shade val="85000"/>
+            </a:srgbClr>
+          </a:solidFill>
+          <a:ln>
+            <a:noFill/>
+          </a:ln>
+          <a:effectLst>
+            <a:reflection blurRad="12700" stA="38000" endPos="28000" dist="5000" dir="5400000" sy="-100000" algn="bl" rotWithShape="0"/>
+          </a:effectLst>
+        </p:spPr>
+      </p:pic>
+      <p:pic>
+        <p:nvPicPr>
+          <p:cNvPr id="24" name="Tijdelijke aanduiding voor inhoud 23">
+            <a:extLst>
+              <a:ext uri="{FF2B5EF4-FFF2-40B4-BE49-F238E27FC236}">
+                <a16:creationId xmlns:a16="http://schemas.microsoft.com/office/drawing/2014/main" id="{3B96608B-150E-4055-810E-1BD56CF2C9AA}"/>
+              </a:ext>
+            </a:extLst>
+          </p:cNvPr>
+          <p:cNvPicPr>
+            <a:picLocks noGrp="1" noChangeAspect="1"/>
+          </p:cNvPicPr>
+          <p:nvPr>
+            <p:ph sz="half" idx="2"/>
+          </p:nvPr>
+        </p:nvPicPr>
+        <p:blipFill>
+          <a:blip r:embed="rId3"/>
+          <a:stretch>
+            <a:fillRect/>
+          </a:stretch>
+        </p:blipFill>
+        <p:spPr>
+          <a:xfrm>
+            <a:off x="6435914" y="1893609"/>
+            <a:ext cx="3851085" cy="3869016"/>
+          </a:xfrm>
+          <a:prstGeom prst="roundRect">
+            <a:avLst>
+              <a:gd name="adj" fmla="val 8594"/>
+            </a:avLst>
+          </a:prstGeom>
+          <a:solidFill>
+            <a:srgbClr val="FFFFFF">
+              <a:shade val="85000"/>
+            </a:srgbClr>
+          </a:solidFill>
+          <a:ln>
+            <a:noFill/>
+          </a:ln>
+          <a:effectLst>
+            <a:reflection blurRad="12700" stA="38000" endPos="28000" dist="5000" dir="5400000" sy="-100000" algn="bl" rotWithShape="0"/>
+          </a:effectLst>
+        </p:spPr>
+      </p:pic>
+    </p:spTree>
+    <p:extLst>
+      <p:ext uri="{BB962C8B-B14F-4D97-AF65-F5344CB8AC3E}">
+        <p14:creationId xmlns:p14="http://schemas.microsoft.com/office/powerpoint/2010/main" val="185967057"/>
+      </p:ext>
+    </p:extLst>
+  </p:cSld>
+  <p:clrMapOvr>
+    <a:masterClrMapping/>
+  </p:clrMapOvr>
+</p:sld>
+</file>
+
+<file path=ppt/slides/slide4.xml><?xml version="1.0" encoding="utf-8"?>
+<p:sld xmlns:a="http://schemas.openxmlformats.org/drawingml/2006/main" xmlns:r="http://schemas.openxmlformats.org/officeDocument/2006/relationships" xmlns:p="http://schemas.openxmlformats.org/presentationml/2006/main">
+  <p:cSld>
+    <p:spTree>
+      <p:nvGrpSpPr>
+        <p:cNvPr id="1" name=""/>
+        <p:cNvGrpSpPr/>
+        <p:nvPr/>
+      </p:nvGrpSpPr>
+      <p:grpSpPr>
+        <a:xfrm>
+          <a:off x="0" y="0"/>
+          <a:ext cx="0" cy="0"/>
+          <a:chOff x="0" y="0"/>
+          <a:chExt cx="0" cy="0"/>
+        </a:xfrm>
+      </p:grpSpPr>
+      <p:sp>
+        <p:nvSpPr>
+          <p:cNvPr id="2" name="Titel 1">
+            <a:extLst>
+              <a:ext uri="{FF2B5EF4-FFF2-40B4-BE49-F238E27FC236}">
+                <a16:creationId xmlns:a16="http://schemas.microsoft.com/office/drawing/2014/main" id="{9E8706E0-2D76-4A1C-AE23-E3DB1D1B3BBB}"/>
+              </a:ext>
+            </a:extLst>
+          </p:cNvPr>
+          <p:cNvSpPr>
+            <a:spLocks noGrp="1"/>
+          </p:cNvSpPr>
+          <p:nvPr>
+            <p:ph type="title"/>
+          </p:nvPr>
+        </p:nvSpPr>
+        <p:spPr/>
+        <p:txBody>
+          <a:bodyPr/>
+          <a:lstStyle/>
+          <a:p>
+            <a:r>
+              <a:rPr lang="nl-NL" dirty="0"/>
+              <a:t>Sfeer</a:t>
+            </a:r>
+            <a:br>
+              <a:rPr lang="nl-NL" dirty="0"/>
+            </a:br>
+            <a:endParaRPr lang="nl-NL" dirty="0"/>
+          </a:p>
+        </p:txBody>
+      </p:sp>
+      <p:pic>
+        <p:nvPicPr>
+          <p:cNvPr id="5" name="Tijdelijke aanduiding voor inhoud 4">
+            <a:extLst>
+              <a:ext uri="{FF2B5EF4-FFF2-40B4-BE49-F238E27FC236}">
+                <a16:creationId xmlns:a16="http://schemas.microsoft.com/office/drawing/2014/main" id="{CCFAF20D-4813-496A-8656-61ACEE1C6EC1}"/>
+              </a:ext>
+            </a:extLst>
+          </p:cNvPr>
+          <p:cNvPicPr>
+            <a:picLocks noGrp="1" noChangeAspect="1"/>
+          </p:cNvPicPr>
+          <p:nvPr>
+            <p:ph idx="1"/>
+          </p:nvPr>
+        </p:nvPicPr>
+        <p:blipFill>
+          <a:blip r:embed="rId2"/>
+          <a:stretch>
+            <a:fillRect/>
+          </a:stretch>
+        </p:blipFill>
+        <p:spPr>
+          <a:xfrm>
+            <a:off x="3818353" y="609600"/>
+            <a:ext cx="5916197" cy="5361824"/>
+          </a:xfrm>
+          <a:prstGeom prst="roundRect">
+            <a:avLst>
+              <a:gd name="adj" fmla="val 8594"/>
+            </a:avLst>
+          </a:prstGeom>
+          <a:solidFill>
+            <a:srgbClr val="FFFFFF">
+              <a:shade val="85000"/>
+            </a:srgbClr>
+          </a:solidFill>
+          <a:ln>
+            <a:noFill/>
+          </a:ln>
+          <a:effectLst>
+            <a:reflection blurRad="12700" stA="38000" endPos="28000" dist="5000" dir="5400000" sy="-100000" algn="bl" rotWithShape="0"/>
+          </a:effectLst>
+        </p:spPr>
+      </p:pic>
+    </p:spTree>
+    <p:extLst>
+      <p:ext uri="{BB962C8B-B14F-4D97-AF65-F5344CB8AC3E}">
+        <p14:creationId xmlns:p14="http://schemas.microsoft.com/office/powerpoint/2010/main" val="3953901082"/>
       </p:ext>
     </p:extLst>
   </p:cSld>

--- a/Indiana Bones eind prez.pptx
+++ b/Indiana Bones eind prez.pptx
@@ -9,6 +9,7 @@
     <p:sldId id="257" r:id="rId3"/>
     <p:sldId id="258" r:id="rId4"/>
     <p:sldId id="259" r:id="rId5"/>
+    <p:sldId id="261" r:id="rId6"/>
   </p:sldIdLst>
   <p:sldSz cx="12192000" cy="6858000"/>
   <p:notesSz cx="6858000" cy="9144000"/>
@@ -318,7 +319,7 @@
             <a:fld id="{B61BEF0D-F0BB-DE4B-95CE-6DB70DBA9567}" type="datetimeFigureOut">
               <a:rPr lang="en-US" dirty="0"/>
               <a:pPr/>
-              <a:t>4/20/2018</a:t>
+              <a:t>4/24/2018</a:t>
             </a:fld>
             <a:endParaRPr lang="en-US" dirty="0"/>
           </a:p>
@@ -606,7 +607,7 @@
             <a:fld id="{B61BEF0D-F0BB-DE4B-95CE-6DB70DBA9567}" type="datetimeFigureOut">
               <a:rPr lang="en-US" dirty="0"/>
               <a:pPr/>
-              <a:t>4/20/2018</a:t>
+              <a:t>4/24/2018</a:t>
             </a:fld>
             <a:endParaRPr lang="en-US" dirty="0"/>
           </a:p>
@@ -851,7 +852,7 @@
             <a:fld id="{B61BEF0D-F0BB-DE4B-95CE-6DB70DBA9567}" type="datetimeFigureOut">
               <a:rPr lang="en-US" dirty="0"/>
               <a:pPr/>
-              <a:t>4/20/2018</a:t>
+              <a:t>4/24/2018</a:t>
             </a:fld>
             <a:endParaRPr lang="en-US" dirty="0"/>
           </a:p>
@@ -1384,7 +1385,7 @@
             <a:fld id="{B61BEF0D-F0BB-DE4B-95CE-6DB70DBA9567}" type="datetimeFigureOut">
               <a:rPr lang="en-US" dirty="0"/>
               <a:pPr/>
-              <a:t>4/20/2018</a:t>
+              <a:t>4/24/2018</a:t>
             </a:fld>
             <a:endParaRPr lang="en-US" dirty="0"/>
           </a:p>
@@ -1629,7 +1630,7 @@
             <a:fld id="{B61BEF0D-F0BB-DE4B-95CE-6DB70DBA9567}" type="datetimeFigureOut">
               <a:rPr lang="en-US" dirty="0"/>
               <a:pPr/>
-              <a:t>4/20/2018</a:t>
+              <a:t>4/24/2018</a:t>
             </a:fld>
             <a:endParaRPr lang="en-US" dirty="0"/>
           </a:p>
@@ -2169,7 +2170,7 @@
             <a:fld id="{B61BEF0D-F0BB-DE4B-95CE-6DB70DBA9567}" type="datetimeFigureOut">
               <a:rPr lang="en-US" dirty="0"/>
               <a:pPr/>
-              <a:t>4/20/2018</a:t>
+              <a:t>4/24/2018</a:t>
             </a:fld>
             <a:endParaRPr lang="en-US" dirty="0"/>
           </a:p>
@@ -2476,7 +2477,7 @@
             <a:fld id="{B61BEF0D-F0BB-DE4B-95CE-6DB70DBA9567}" type="datetimeFigureOut">
               <a:rPr lang="en-US" dirty="0"/>
               <a:pPr/>
-              <a:t>4/20/2018</a:t>
+              <a:t>4/24/2018</a:t>
             </a:fld>
             <a:endParaRPr lang="en-US" dirty="0"/>
           </a:p>
@@ -2648,7 +2649,7 @@
             <a:fld id="{B61BEF0D-F0BB-DE4B-95CE-6DB70DBA9567}" type="datetimeFigureOut">
               <a:rPr lang="en-US" dirty="0"/>
               <a:pPr/>
-              <a:t>4/20/2018</a:t>
+              <a:t>4/24/2018</a:t>
             </a:fld>
             <a:endParaRPr lang="en-US" dirty="0"/>
           </a:p>
@@ -2825,7 +2826,7 @@
             <a:fld id="{B61BEF0D-F0BB-DE4B-95CE-6DB70DBA9567}" type="datetimeFigureOut">
               <a:rPr lang="en-US" dirty="0"/>
               <a:pPr/>
-              <a:t>4/20/2018</a:t>
+              <a:t>4/24/2018</a:t>
             </a:fld>
             <a:endParaRPr lang="en-US" dirty="0"/>
           </a:p>
@@ -2992,7 +2993,7 @@
             <a:fld id="{B61BEF0D-F0BB-DE4B-95CE-6DB70DBA9567}" type="datetimeFigureOut">
               <a:rPr lang="en-US" dirty="0"/>
               <a:pPr/>
-              <a:t>4/20/2018</a:t>
+              <a:t>4/24/2018</a:t>
             </a:fld>
             <a:endParaRPr lang="en-US" dirty="0"/>
           </a:p>
@@ -3235,7 +3236,7 @@
             <a:fld id="{B61BEF0D-F0BB-DE4B-95CE-6DB70DBA9567}" type="datetimeFigureOut">
               <a:rPr lang="en-US" dirty="0"/>
               <a:pPr/>
-              <a:t>4/20/2018</a:t>
+              <a:t>4/24/2018</a:t>
             </a:fld>
             <a:endParaRPr lang="en-US" dirty="0"/>
           </a:p>
@@ -3524,7 +3525,7 @@
             <a:fld id="{B61BEF0D-F0BB-DE4B-95CE-6DB70DBA9567}" type="datetimeFigureOut">
               <a:rPr lang="en-US" dirty="0"/>
               <a:pPr/>
-              <a:t>4/20/2018</a:t>
+              <a:t>4/24/2018</a:t>
             </a:fld>
             <a:endParaRPr lang="en-US" dirty="0"/>
           </a:p>
@@ -3951,7 +3952,7 @@
             <a:fld id="{B61BEF0D-F0BB-DE4B-95CE-6DB70DBA9567}" type="datetimeFigureOut">
               <a:rPr lang="en-US" dirty="0"/>
               <a:pPr/>
-              <a:t>4/20/2018</a:t>
+              <a:t>4/24/2018</a:t>
             </a:fld>
             <a:endParaRPr lang="en-US" dirty="0"/>
           </a:p>
@@ -4071,7 +4072,7 @@
             <a:fld id="{B61BEF0D-F0BB-DE4B-95CE-6DB70DBA9567}" type="datetimeFigureOut">
               <a:rPr lang="en-US" dirty="0"/>
               <a:pPr/>
-              <a:t>4/20/2018</a:t>
+              <a:t>4/24/2018</a:t>
             </a:fld>
             <a:endParaRPr lang="en-US" dirty="0"/>
           </a:p>
@@ -4163,7 +4164,7 @@
             <a:fld id="{B61BEF0D-F0BB-DE4B-95CE-6DB70DBA9567}" type="datetimeFigureOut">
               <a:rPr lang="en-US" dirty="0"/>
               <a:pPr/>
-              <a:t>4/20/2018</a:t>
+              <a:t>4/24/2018</a:t>
             </a:fld>
             <a:endParaRPr lang="en-US" dirty="0"/>
           </a:p>
@@ -4443,7 +4444,7 @@
             <a:fld id="{B61BEF0D-F0BB-DE4B-95CE-6DB70DBA9567}" type="datetimeFigureOut">
               <a:rPr lang="en-US" dirty="0"/>
               <a:pPr/>
-              <a:t>4/20/2018</a:t>
+              <a:t>4/24/2018</a:t>
             </a:fld>
             <a:endParaRPr lang="en-US" dirty="0"/>
           </a:p>
@@ -4731,7 +4732,7 @@
             <a:fld id="{B61BEF0D-F0BB-DE4B-95CE-6DB70DBA9567}" type="datetimeFigureOut">
               <a:rPr lang="en-US" dirty="0"/>
               <a:pPr/>
-              <a:t>4/20/2018</a:t>
+              <a:t>4/24/2018</a:t>
             </a:fld>
             <a:endParaRPr lang="en-US" dirty="0"/>
           </a:p>
@@ -4959,7 +4960,7 @@
             <a:fld id="{B61BEF0D-F0BB-DE4B-95CE-6DB70DBA9567}" type="datetimeFigureOut">
               <a:rPr lang="en-US" dirty="0"/>
               <a:pPr/>
-              <a:t>4/20/2018</a:t>
+              <a:t>4/24/2018</a:t>
             </a:fld>
             <a:endParaRPr lang="en-US" dirty="0"/>
           </a:p>
@@ -6211,6 +6212,89 @@
 </p:sld>
 </file>
 
+<file path=ppt/slides/slide5.xml><?xml version="1.0" encoding="utf-8"?>
+<p:sld xmlns:a="http://schemas.openxmlformats.org/drawingml/2006/main" xmlns:r="http://schemas.openxmlformats.org/officeDocument/2006/relationships" xmlns:p="http://schemas.openxmlformats.org/presentationml/2006/main">
+  <p:cSld>
+    <p:spTree>
+      <p:nvGrpSpPr>
+        <p:cNvPr id="1" name=""/>
+        <p:cNvGrpSpPr/>
+        <p:nvPr/>
+      </p:nvGrpSpPr>
+      <p:grpSpPr>
+        <a:xfrm>
+          <a:off x="0" y="0"/>
+          <a:ext cx="0" cy="0"/>
+          <a:chOff x="0" y="0"/>
+          <a:chExt cx="0" cy="0"/>
+        </a:xfrm>
+      </p:grpSpPr>
+      <p:sp>
+        <p:nvSpPr>
+          <p:cNvPr id="2" name="Titel 1">
+            <a:extLst>
+              <a:ext uri="{FF2B5EF4-FFF2-40B4-BE49-F238E27FC236}">
+                <a16:creationId xmlns:a16="http://schemas.microsoft.com/office/drawing/2014/main" id="{6E4EC0A9-2EEA-4590-A3FA-D422A00DD5CE}"/>
+              </a:ext>
+            </a:extLst>
+          </p:cNvPr>
+          <p:cNvSpPr>
+            <a:spLocks noGrp="1"/>
+          </p:cNvSpPr>
+          <p:nvPr>
+            <p:ph type="title"/>
+          </p:nvPr>
+        </p:nvSpPr>
+        <p:spPr/>
+        <p:txBody>
+          <a:bodyPr/>
+          <a:lstStyle/>
+          <a:p>
+            <a:r>
+              <a:rPr lang="nl-NL" dirty="0"/>
+              <a:t>Eind</a:t>
+            </a:r>
+          </a:p>
+        </p:txBody>
+      </p:sp>
+      <p:sp>
+        <p:nvSpPr>
+          <p:cNvPr id="3" name="Tijdelijke aanduiding voor inhoud 2">
+            <a:extLst>
+              <a:ext uri="{FF2B5EF4-FFF2-40B4-BE49-F238E27FC236}">
+                <a16:creationId xmlns:a16="http://schemas.microsoft.com/office/drawing/2014/main" id="{CFBFA621-2AB9-4B8F-81C1-B6971017B836}"/>
+              </a:ext>
+            </a:extLst>
+          </p:cNvPr>
+          <p:cNvSpPr>
+            <a:spLocks noGrp="1"/>
+          </p:cNvSpPr>
+          <p:nvPr>
+            <p:ph idx="1"/>
+          </p:nvPr>
+        </p:nvSpPr>
+        <p:spPr/>
+        <p:txBody>
+          <a:bodyPr/>
+          <a:lstStyle/>
+          <a:p>
+            <a:endParaRPr lang="nl-NL" dirty="0"/>
+          </a:p>
+        </p:txBody>
+      </p:sp>
+    </p:spTree>
+    <p:extLst>
+      <p:ext uri="{BB962C8B-B14F-4D97-AF65-F5344CB8AC3E}">
+        <p14:creationId xmlns:p14="http://schemas.microsoft.com/office/powerpoint/2010/main" val="3389550110"/>
+      </p:ext>
+    </p:extLst>
+  </p:cSld>
+  <p:clrMapOvr>
+    <a:masterClrMapping/>
+  </p:clrMapOvr>
+</p:sld>
+</file>
+
 <file path=ppt/theme/theme1.xml><?xml version="1.0" encoding="utf-8"?>
 <a:theme xmlns:a="http://schemas.openxmlformats.org/drawingml/2006/main" name="Raster">
   <a:themeElements>

--- a/Indiana Bones eind prez.pptx
+++ b/Indiana Bones eind prez.pptx
@@ -6251,9 +6251,10 @@
           <a:lstStyle/>
           <a:p>
             <a:r>
-              <a:rPr lang="nl-NL" dirty="0"/>
-              <a:t>Eind</a:t>
-            </a:r>
+              <a:rPr lang="nl-NL"/>
+              <a:t>Einde</a:t>
+            </a:r>
+            <a:endParaRPr lang="nl-NL" dirty="0"/>
           </a:p>
         </p:txBody>
       </p:sp>
